--- a/01-QD/Pictures/SCType.pptx
+++ b/01-QD/Pictures/SCType.pptx
@@ -7,7 +7,7 @@
   <p:sldIdLst>
     <p:sldId id="256" r:id="rId2"/>
   </p:sldIdLst>
-  <p:sldSz cx="10909300" cy="4321175"/>
+  <p:sldSz cx="11522075" cy="4321175"/>
   <p:notesSz cx="6858000" cy="9144000"/>
   <p:defaultTextStyle>
     <a:defPPr>
@@ -136,8 +136,8 @@
         </p:nvSpPr>
         <p:spPr>
           <a:xfrm>
-            <a:off x="818197" y="1342367"/>
-            <a:ext cx="9272906" cy="926252"/>
+            <a:off x="864156" y="1342367"/>
+            <a:ext cx="9793765" cy="926252"/>
           </a:xfrm>
         </p:spPr>
         <p:txBody>
@@ -164,8 +164,8 @@
         </p:nvSpPr>
         <p:spPr>
           <a:xfrm>
-            <a:off x="1636397" y="2448666"/>
-            <a:ext cx="7636510" cy="1104301"/>
+            <a:off x="1728314" y="2448668"/>
+            <a:ext cx="8065452" cy="1104301"/>
           </a:xfrm>
         </p:spPr>
         <p:txBody>
@@ -288,7 +288,7 @@
           <a:p>
             <a:fld id="{26009620-EEA0-46AB-ADF6-2FEF3664D5AD}" type="datetimeFigureOut">
               <a:rPr lang="fr-FR" smtClean="0"/>
-              <a:t>02/10/2017</a:t>
+              <a:t>06/10/2017</a:t>
             </a:fld>
             <a:endParaRPr lang="fr-FR"/>
           </a:p>
@@ -458,7 +458,7 @@
           <a:p>
             <a:fld id="{26009620-EEA0-46AB-ADF6-2FEF3664D5AD}" type="datetimeFigureOut">
               <a:rPr lang="fr-FR" smtClean="0"/>
-              <a:t>02/10/2017</a:t>
+              <a:t>06/10/2017</a:t>
             </a:fld>
             <a:endParaRPr lang="fr-FR"/>
           </a:p>
@@ -548,8 +548,8 @@
         </p:nvSpPr>
         <p:spPr>
           <a:xfrm>
-            <a:off x="7909243" y="173048"/>
-            <a:ext cx="2454592" cy="3687003"/>
+            <a:off x="8353505" y="173050"/>
+            <a:ext cx="2592466" cy="3687003"/>
           </a:xfrm>
         </p:spPr>
         <p:txBody>
@@ -576,8 +576,8 @@
         </p:nvSpPr>
         <p:spPr>
           <a:xfrm>
-            <a:off x="545465" y="173048"/>
-            <a:ext cx="7181956" cy="3687003"/>
+            <a:off x="576104" y="173050"/>
+            <a:ext cx="7585366" cy="3687003"/>
           </a:xfrm>
         </p:spPr>
         <p:txBody>
@@ -638,7 +638,7 @@
           <a:p>
             <a:fld id="{26009620-EEA0-46AB-ADF6-2FEF3664D5AD}" type="datetimeFigureOut">
               <a:rPr lang="fr-FR" smtClean="0"/>
-              <a:t>02/10/2017</a:t>
+              <a:t>06/10/2017</a:t>
             </a:fld>
             <a:endParaRPr lang="fr-FR"/>
           </a:p>
@@ -808,7 +808,7 @@
           <a:p>
             <a:fld id="{26009620-EEA0-46AB-ADF6-2FEF3664D5AD}" type="datetimeFigureOut">
               <a:rPr lang="fr-FR" smtClean="0"/>
-              <a:t>02/10/2017</a:t>
+              <a:t>06/10/2017</a:t>
             </a:fld>
             <a:endParaRPr lang="fr-FR"/>
           </a:p>
@@ -898,8 +898,8 @@
         </p:nvSpPr>
         <p:spPr>
           <a:xfrm>
-            <a:off x="861759" y="2776757"/>
-            <a:ext cx="9272906" cy="858233"/>
+            <a:off x="910164" y="2776759"/>
+            <a:ext cx="9793765" cy="858233"/>
           </a:xfrm>
         </p:spPr>
         <p:txBody>
@@ -930,8 +930,8 @@
         </p:nvSpPr>
         <p:spPr>
           <a:xfrm>
-            <a:off x="861759" y="1831499"/>
-            <a:ext cx="9272906" cy="945257"/>
+            <a:off x="910164" y="1831501"/>
+            <a:ext cx="9793765" cy="945257"/>
           </a:xfrm>
         </p:spPr>
         <p:txBody>
@@ -1054,7 +1054,7 @@
           <a:p>
             <a:fld id="{26009620-EEA0-46AB-ADF6-2FEF3664D5AD}" type="datetimeFigureOut">
               <a:rPr lang="fr-FR" smtClean="0"/>
-              <a:t>02/10/2017</a:t>
+              <a:t>06/10/2017</a:t>
             </a:fld>
             <a:endParaRPr lang="fr-FR"/>
           </a:p>
@@ -1167,8 +1167,8 @@
         </p:nvSpPr>
         <p:spPr>
           <a:xfrm>
-            <a:off x="545465" y="1008275"/>
-            <a:ext cx="4818274" cy="2851776"/>
+            <a:off x="576104" y="1008275"/>
+            <a:ext cx="5088916" cy="2851776"/>
           </a:xfrm>
         </p:spPr>
         <p:txBody>
@@ -1252,8 +1252,8 @@
         </p:nvSpPr>
         <p:spPr>
           <a:xfrm>
-            <a:off x="5545561" y="1008275"/>
-            <a:ext cx="4818274" cy="2851776"/>
+            <a:off x="5857055" y="1008275"/>
+            <a:ext cx="5088916" cy="2851776"/>
           </a:xfrm>
         </p:spPr>
         <p:txBody>
@@ -1342,7 +1342,7 @@
           <a:p>
             <a:fld id="{26009620-EEA0-46AB-ADF6-2FEF3664D5AD}" type="datetimeFigureOut">
               <a:rPr lang="fr-FR" smtClean="0"/>
-              <a:t>02/10/2017</a:t>
+              <a:t>06/10/2017</a:t>
             </a:fld>
             <a:endParaRPr lang="fr-FR"/>
           </a:p>
@@ -1459,8 +1459,8 @@
         </p:nvSpPr>
         <p:spPr>
           <a:xfrm>
-            <a:off x="545467" y="967263"/>
-            <a:ext cx="4820169" cy="403110"/>
+            <a:off x="576107" y="967263"/>
+            <a:ext cx="5090917" cy="403110"/>
           </a:xfrm>
         </p:spPr>
         <p:txBody>
@@ -1524,8 +1524,8 @@
         </p:nvSpPr>
         <p:spPr>
           <a:xfrm>
-            <a:off x="545467" y="1370373"/>
-            <a:ext cx="4820169" cy="2489677"/>
+            <a:off x="576107" y="1370375"/>
+            <a:ext cx="5090917" cy="2489677"/>
           </a:xfrm>
         </p:spPr>
         <p:txBody>
@@ -1609,8 +1609,8 @@
         </p:nvSpPr>
         <p:spPr>
           <a:xfrm>
-            <a:off x="5541774" y="967263"/>
-            <a:ext cx="4822062" cy="403110"/>
+            <a:off x="5853055" y="967263"/>
+            <a:ext cx="5092917" cy="403110"/>
           </a:xfrm>
         </p:spPr>
         <p:txBody>
@@ -1674,8 +1674,8 @@
         </p:nvSpPr>
         <p:spPr>
           <a:xfrm>
-            <a:off x="5541774" y="1370373"/>
-            <a:ext cx="4822062" cy="2489677"/>
+            <a:off x="5853055" y="1370375"/>
+            <a:ext cx="5092917" cy="2489677"/>
           </a:xfrm>
         </p:spPr>
         <p:txBody>
@@ -1764,7 +1764,7 @@
           <a:p>
             <a:fld id="{26009620-EEA0-46AB-ADF6-2FEF3664D5AD}" type="datetimeFigureOut">
               <a:rPr lang="fr-FR" smtClean="0"/>
-              <a:t>02/10/2017</a:t>
+              <a:t>06/10/2017</a:t>
             </a:fld>
             <a:endParaRPr lang="fr-FR"/>
           </a:p>
@@ -1882,7 +1882,7 @@
           <a:p>
             <a:fld id="{26009620-EEA0-46AB-ADF6-2FEF3664D5AD}" type="datetimeFigureOut">
               <a:rPr lang="fr-FR" smtClean="0"/>
-              <a:t>02/10/2017</a:t>
+              <a:t>06/10/2017</a:t>
             </a:fld>
             <a:endParaRPr lang="fr-FR"/>
           </a:p>
@@ -1977,7 +1977,7 @@
           <a:p>
             <a:fld id="{26009620-EEA0-46AB-ADF6-2FEF3664D5AD}" type="datetimeFigureOut">
               <a:rPr lang="fr-FR" smtClean="0"/>
-              <a:t>02/10/2017</a:t>
+              <a:t>06/10/2017</a:t>
             </a:fld>
             <a:endParaRPr lang="fr-FR"/>
           </a:p>
@@ -2067,8 +2067,8 @@
         </p:nvSpPr>
         <p:spPr>
           <a:xfrm>
-            <a:off x="545467" y="172047"/>
-            <a:ext cx="3589084" cy="732199"/>
+            <a:off x="576106" y="172049"/>
+            <a:ext cx="3790683" cy="732199"/>
           </a:xfrm>
         </p:spPr>
         <p:txBody>
@@ -2099,8 +2099,8 @@
         </p:nvSpPr>
         <p:spPr>
           <a:xfrm>
-            <a:off x="4265234" y="172048"/>
-            <a:ext cx="6098602" cy="3688003"/>
+            <a:off x="4504812" y="172050"/>
+            <a:ext cx="6441160" cy="3688003"/>
           </a:xfrm>
         </p:spPr>
         <p:txBody>
@@ -2184,8 +2184,8 @@
         </p:nvSpPr>
         <p:spPr>
           <a:xfrm>
-            <a:off x="545467" y="904247"/>
-            <a:ext cx="3589084" cy="2955804"/>
+            <a:off x="576106" y="904247"/>
+            <a:ext cx="3790683" cy="2955804"/>
           </a:xfrm>
         </p:spPr>
         <p:txBody>
@@ -2254,7 +2254,7 @@
           <a:p>
             <a:fld id="{26009620-EEA0-46AB-ADF6-2FEF3664D5AD}" type="datetimeFigureOut">
               <a:rPr lang="fr-FR" smtClean="0"/>
-              <a:t>02/10/2017</a:t>
+              <a:t>06/10/2017</a:t>
             </a:fld>
             <a:endParaRPr lang="fr-FR"/>
           </a:p>
@@ -2344,8 +2344,8 @@
         </p:nvSpPr>
         <p:spPr>
           <a:xfrm>
-            <a:off x="2138299" y="3024823"/>
-            <a:ext cx="6545580" cy="357097"/>
+            <a:off x="2258408" y="3024825"/>
+            <a:ext cx="6913245" cy="357097"/>
           </a:xfrm>
         </p:spPr>
         <p:txBody>
@@ -2376,8 +2376,8 @@
         </p:nvSpPr>
         <p:spPr>
           <a:xfrm>
-            <a:off x="2138299" y="386105"/>
-            <a:ext cx="6545580" cy="2592705"/>
+            <a:off x="2258408" y="386107"/>
+            <a:ext cx="6913245" cy="2592705"/>
           </a:xfrm>
         </p:spPr>
         <p:txBody>
@@ -2437,8 +2437,8 @@
         </p:nvSpPr>
         <p:spPr>
           <a:xfrm>
-            <a:off x="2138299" y="3381920"/>
-            <a:ext cx="6545580" cy="507138"/>
+            <a:off x="2258408" y="3381920"/>
+            <a:ext cx="6913245" cy="507138"/>
           </a:xfrm>
         </p:spPr>
         <p:txBody>
@@ -2507,7 +2507,7 @@
           <a:p>
             <a:fld id="{26009620-EEA0-46AB-ADF6-2FEF3664D5AD}" type="datetimeFigureOut">
               <a:rPr lang="fr-FR" smtClean="0"/>
-              <a:t>02/10/2017</a:t>
+              <a:t>06/10/2017</a:t>
             </a:fld>
             <a:endParaRPr lang="fr-FR"/>
           </a:p>
@@ -2602,8 +2602,8 @@
         </p:nvSpPr>
         <p:spPr>
           <a:xfrm>
-            <a:off x="545466" y="173048"/>
-            <a:ext cx="9818370" cy="720196"/>
+            <a:off x="576105" y="173048"/>
+            <a:ext cx="10369868" cy="720196"/>
           </a:xfrm>
           <a:prstGeom prst="rect">
             <a:avLst/>
@@ -2635,8 +2635,8 @@
         </p:nvSpPr>
         <p:spPr>
           <a:xfrm>
-            <a:off x="545466" y="1008275"/>
-            <a:ext cx="9818370" cy="2851776"/>
+            <a:off x="576105" y="1008275"/>
+            <a:ext cx="10369868" cy="2851776"/>
           </a:xfrm>
           <a:prstGeom prst="rect">
             <a:avLst/>
@@ -2697,8 +2697,8 @@
         </p:nvSpPr>
         <p:spPr>
           <a:xfrm>
-            <a:off x="545467" y="4005091"/>
-            <a:ext cx="2545503" cy="230063"/>
+            <a:off x="576107" y="4005093"/>
+            <a:ext cx="2688483" cy="230063"/>
           </a:xfrm>
           <a:prstGeom prst="rect">
             <a:avLst/>
@@ -2720,7 +2720,7 @@
           <a:p>
             <a:fld id="{26009620-EEA0-46AB-ADF6-2FEF3664D5AD}" type="datetimeFigureOut">
               <a:rPr lang="fr-FR" smtClean="0"/>
-              <a:t>02/10/2017</a:t>
+              <a:t>06/10/2017</a:t>
             </a:fld>
             <a:endParaRPr lang="fr-FR"/>
           </a:p>
@@ -2738,8 +2738,8 @@
         </p:nvSpPr>
         <p:spPr>
           <a:xfrm>
-            <a:off x="3727344" y="4005091"/>
-            <a:ext cx="3454612" cy="230063"/>
+            <a:off x="3936709" y="4005093"/>
+            <a:ext cx="3648658" cy="230063"/>
           </a:xfrm>
           <a:prstGeom prst="rect">
             <a:avLst/>
@@ -2775,8 +2775,8 @@
         </p:nvSpPr>
         <p:spPr>
           <a:xfrm>
-            <a:off x="7818334" y="4005091"/>
-            <a:ext cx="2545503" cy="230063"/>
+            <a:off x="8257491" y="4005093"/>
+            <a:ext cx="2688483" cy="230063"/>
           </a:xfrm>
           <a:prstGeom prst="rect">
             <a:avLst/>
@@ -3097,13 +3097,13 @@
       </p:grpSpPr>
       <p:cxnSp>
         <p:nvCxnSpPr>
-          <p:cNvPr id="189" name="Connecteur droit 188"/>
+          <p:cNvPr id="112" name="Connecteur droit 111"/>
           <p:cNvCxnSpPr/>
           <p:nvPr/>
         </p:nvCxnSpPr>
         <p:spPr>
           <a:xfrm>
-            <a:off x="89769" y="936451"/>
+            <a:off x="774130" y="936451"/>
             <a:ext cx="1080120" cy="0"/>
           </a:xfrm>
           <a:prstGeom prst="line">
@@ -3132,13 +3132,13 @@
       </p:cxnSp>
       <p:cxnSp>
         <p:nvCxnSpPr>
-          <p:cNvPr id="190" name="Connecteur droit 189"/>
+          <p:cNvPr id="113" name="Connecteur droit 112"/>
           <p:cNvCxnSpPr/>
           <p:nvPr/>
         </p:nvCxnSpPr>
         <p:spPr>
           <a:xfrm>
-            <a:off x="1169889" y="936451"/>
+            <a:off x="1854250" y="936451"/>
             <a:ext cx="0" cy="792088"/>
           </a:xfrm>
           <a:prstGeom prst="line">
@@ -3167,13 +3167,13 @@
       </p:cxnSp>
       <p:cxnSp>
         <p:nvCxnSpPr>
-          <p:cNvPr id="191" name="Connecteur droit 190"/>
+          <p:cNvPr id="114" name="Connecteur droit 113"/>
           <p:cNvCxnSpPr/>
           <p:nvPr/>
         </p:nvCxnSpPr>
         <p:spPr>
           <a:xfrm>
-            <a:off x="1169889" y="1728539"/>
+            <a:off x="1854250" y="1728539"/>
             <a:ext cx="792088" cy="0"/>
           </a:xfrm>
           <a:prstGeom prst="line">
@@ -3202,13 +3202,13 @@
       </p:cxnSp>
       <p:cxnSp>
         <p:nvCxnSpPr>
-          <p:cNvPr id="192" name="Connecteur droit 191"/>
+          <p:cNvPr id="115" name="Connecteur droit 114"/>
           <p:cNvCxnSpPr/>
           <p:nvPr/>
         </p:nvCxnSpPr>
         <p:spPr>
           <a:xfrm flipV="1">
-            <a:off x="1961977" y="936451"/>
+            <a:off x="2646338" y="936451"/>
             <a:ext cx="0" cy="792088"/>
           </a:xfrm>
           <a:prstGeom prst="line">
@@ -3237,13 +3237,13 @@
       </p:cxnSp>
       <p:cxnSp>
         <p:nvCxnSpPr>
-          <p:cNvPr id="193" name="Connecteur droit 192"/>
+          <p:cNvPr id="116" name="Connecteur droit 115"/>
           <p:cNvCxnSpPr/>
           <p:nvPr/>
         </p:nvCxnSpPr>
         <p:spPr>
           <a:xfrm>
-            <a:off x="1961977" y="936451"/>
+            <a:off x="2646338" y="936451"/>
             <a:ext cx="1080120" cy="0"/>
           </a:xfrm>
           <a:prstGeom prst="line">
@@ -3272,13 +3272,13 @@
       </p:cxnSp>
       <p:cxnSp>
         <p:nvCxnSpPr>
-          <p:cNvPr id="194" name="Connecteur droit 193"/>
+          <p:cNvPr id="117" name="Connecteur droit 116"/>
           <p:cNvCxnSpPr/>
           <p:nvPr/>
         </p:nvCxnSpPr>
         <p:spPr>
           <a:xfrm>
-            <a:off x="89769" y="3096691"/>
+            <a:off x="774130" y="3096691"/>
             <a:ext cx="1080120" cy="0"/>
           </a:xfrm>
           <a:prstGeom prst="line">
@@ -3307,13 +3307,13 @@
       </p:cxnSp>
       <p:cxnSp>
         <p:nvCxnSpPr>
-          <p:cNvPr id="195" name="Connecteur droit 194"/>
+          <p:cNvPr id="118" name="Connecteur droit 117"/>
           <p:cNvCxnSpPr/>
           <p:nvPr/>
         </p:nvCxnSpPr>
         <p:spPr>
           <a:xfrm>
-            <a:off x="1169889" y="2808659"/>
+            <a:off x="1854250" y="2808659"/>
             <a:ext cx="792088" cy="0"/>
           </a:xfrm>
           <a:prstGeom prst="line">
@@ -3342,13 +3342,13 @@
       </p:cxnSp>
       <p:cxnSp>
         <p:nvCxnSpPr>
-          <p:cNvPr id="196" name="Connecteur droit 195"/>
+          <p:cNvPr id="119" name="Connecteur droit 118"/>
           <p:cNvCxnSpPr/>
           <p:nvPr/>
         </p:nvCxnSpPr>
         <p:spPr>
           <a:xfrm>
-            <a:off x="1169889" y="2808659"/>
+            <a:off x="1854250" y="2808659"/>
             <a:ext cx="0" cy="288032"/>
           </a:xfrm>
           <a:prstGeom prst="line">
@@ -3377,13 +3377,13 @@
       </p:cxnSp>
       <p:cxnSp>
         <p:nvCxnSpPr>
-          <p:cNvPr id="197" name="Connecteur droit 196"/>
+          <p:cNvPr id="120" name="Connecteur droit 119"/>
           <p:cNvCxnSpPr/>
           <p:nvPr/>
         </p:nvCxnSpPr>
         <p:spPr>
           <a:xfrm>
-            <a:off x="1961977" y="2808659"/>
+            <a:off x="2646338" y="2808659"/>
             <a:ext cx="0" cy="288032"/>
           </a:xfrm>
           <a:prstGeom prst="line">
@@ -3412,13 +3412,13 @@
       </p:cxnSp>
       <p:cxnSp>
         <p:nvCxnSpPr>
-          <p:cNvPr id="198" name="Connecteur droit 197"/>
+          <p:cNvPr id="121" name="Connecteur droit 120"/>
           <p:cNvCxnSpPr/>
           <p:nvPr/>
         </p:nvCxnSpPr>
         <p:spPr>
           <a:xfrm>
-            <a:off x="1961977" y="3096691"/>
+            <a:off x="2646338" y="3096691"/>
             <a:ext cx="1080120" cy="0"/>
           </a:xfrm>
           <a:prstGeom prst="line">
@@ -3447,13 +3447,13 @@
       </p:cxnSp>
       <p:cxnSp>
         <p:nvCxnSpPr>
-          <p:cNvPr id="199" name="Connecteur droit 198"/>
+          <p:cNvPr id="122" name="Connecteur droit 121"/>
           <p:cNvCxnSpPr/>
           <p:nvPr/>
         </p:nvCxnSpPr>
         <p:spPr>
           <a:xfrm>
-            <a:off x="3546153" y="72355"/>
+            <a:off x="4230514" y="72355"/>
             <a:ext cx="0" cy="4176000"/>
           </a:xfrm>
           <a:prstGeom prst="line">
@@ -3486,13 +3486,13 @@
       </p:cxnSp>
       <p:cxnSp>
         <p:nvCxnSpPr>
-          <p:cNvPr id="200" name="Connecteur droit 199"/>
+          <p:cNvPr id="123" name="Connecteur droit 122"/>
           <p:cNvCxnSpPr/>
           <p:nvPr/>
         </p:nvCxnSpPr>
         <p:spPr>
           <a:xfrm>
-            <a:off x="3978201" y="936451"/>
+            <a:off x="4662562" y="936451"/>
             <a:ext cx="1080120" cy="0"/>
           </a:xfrm>
           <a:prstGeom prst="line">
@@ -3521,13 +3521,13 @@
       </p:cxnSp>
       <p:cxnSp>
         <p:nvCxnSpPr>
-          <p:cNvPr id="201" name="Connecteur droit 200"/>
+          <p:cNvPr id="124" name="Connecteur droit 123"/>
           <p:cNvCxnSpPr/>
           <p:nvPr/>
         </p:nvCxnSpPr>
         <p:spPr>
           <a:xfrm>
-            <a:off x="5058321" y="936451"/>
+            <a:off x="5742682" y="936451"/>
             <a:ext cx="0" cy="792088"/>
           </a:xfrm>
           <a:prstGeom prst="line">
@@ -3556,13 +3556,13 @@
       </p:cxnSp>
       <p:cxnSp>
         <p:nvCxnSpPr>
-          <p:cNvPr id="202" name="Connecteur droit 201"/>
+          <p:cNvPr id="125" name="Connecteur droit 124"/>
           <p:cNvCxnSpPr/>
           <p:nvPr/>
         </p:nvCxnSpPr>
         <p:spPr>
           <a:xfrm>
-            <a:off x="5058321" y="1728539"/>
+            <a:off x="5742682" y="1728539"/>
             <a:ext cx="792088" cy="0"/>
           </a:xfrm>
           <a:prstGeom prst="line">
@@ -3591,13 +3591,13 @@
       </p:cxnSp>
       <p:cxnSp>
         <p:nvCxnSpPr>
-          <p:cNvPr id="203" name="Connecteur droit 202"/>
+          <p:cNvPr id="126" name="Connecteur droit 125"/>
           <p:cNvCxnSpPr/>
           <p:nvPr/>
         </p:nvCxnSpPr>
         <p:spPr>
           <a:xfrm flipV="1">
-            <a:off x="5850409" y="936451"/>
+            <a:off x="6534770" y="936451"/>
             <a:ext cx="0" cy="792088"/>
           </a:xfrm>
           <a:prstGeom prst="line">
@@ -3626,13 +3626,13 @@
       </p:cxnSp>
       <p:cxnSp>
         <p:nvCxnSpPr>
-          <p:cNvPr id="204" name="Connecteur droit 203"/>
+          <p:cNvPr id="127" name="Connecteur droit 126"/>
           <p:cNvCxnSpPr/>
           <p:nvPr/>
         </p:nvCxnSpPr>
         <p:spPr>
           <a:xfrm>
-            <a:off x="5850409" y="936451"/>
+            <a:off x="6534770" y="936451"/>
             <a:ext cx="1080120" cy="0"/>
           </a:xfrm>
           <a:prstGeom prst="line">
@@ -3661,13 +3661,13 @@
       </p:cxnSp>
       <p:cxnSp>
         <p:nvCxnSpPr>
-          <p:cNvPr id="205" name="Connecteur droit 204"/>
+          <p:cNvPr id="128" name="Connecteur droit 127"/>
           <p:cNvCxnSpPr/>
           <p:nvPr/>
         </p:nvCxnSpPr>
         <p:spPr>
           <a:xfrm>
-            <a:off x="3978201" y="3096691"/>
+            <a:off x="4662562" y="3096691"/>
             <a:ext cx="1080120" cy="0"/>
           </a:xfrm>
           <a:prstGeom prst="line">
@@ -3696,13 +3696,13 @@
       </p:cxnSp>
       <p:cxnSp>
         <p:nvCxnSpPr>
-          <p:cNvPr id="206" name="Connecteur droit 205"/>
+          <p:cNvPr id="129" name="Connecteur droit 128"/>
           <p:cNvCxnSpPr/>
           <p:nvPr/>
         </p:nvCxnSpPr>
         <p:spPr>
           <a:xfrm>
-            <a:off x="5058321" y="3384723"/>
+            <a:off x="5742682" y="3384723"/>
             <a:ext cx="792088" cy="0"/>
           </a:xfrm>
           <a:prstGeom prst="line">
@@ -3731,13 +3731,13 @@
       </p:cxnSp>
       <p:cxnSp>
         <p:nvCxnSpPr>
-          <p:cNvPr id="207" name="Connecteur droit 206"/>
+          <p:cNvPr id="130" name="Connecteur droit 129"/>
           <p:cNvCxnSpPr/>
           <p:nvPr/>
         </p:nvCxnSpPr>
         <p:spPr>
           <a:xfrm>
-            <a:off x="5058321" y="3096691"/>
+            <a:off x="5742682" y="3096691"/>
             <a:ext cx="0" cy="288032"/>
           </a:xfrm>
           <a:prstGeom prst="line">
@@ -3766,13 +3766,13 @@
       </p:cxnSp>
       <p:cxnSp>
         <p:nvCxnSpPr>
-          <p:cNvPr id="208" name="Connecteur droit 207"/>
+          <p:cNvPr id="131" name="Connecteur droit 130"/>
           <p:cNvCxnSpPr/>
           <p:nvPr/>
         </p:nvCxnSpPr>
         <p:spPr>
           <a:xfrm>
-            <a:off x="5850409" y="3096691"/>
+            <a:off x="6534770" y="3096691"/>
             <a:ext cx="0" cy="288032"/>
           </a:xfrm>
           <a:prstGeom prst="line">
@@ -3801,13 +3801,13 @@
       </p:cxnSp>
       <p:cxnSp>
         <p:nvCxnSpPr>
-          <p:cNvPr id="209" name="Connecteur droit 208"/>
+          <p:cNvPr id="132" name="Connecteur droit 131"/>
           <p:cNvCxnSpPr/>
           <p:nvPr/>
         </p:nvCxnSpPr>
         <p:spPr>
           <a:xfrm>
-            <a:off x="5850409" y="3096691"/>
+            <a:off x="6534770" y="3096691"/>
             <a:ext cx="1080120" cy="0"/>
           </a:xfrm>
           <a:prstGeom prst="line">
@@ -3836,13 +3836,13 @@
       </p:cxnSp>
       <p:cxnSp>
         <p:nvCxnSpPr>
-          <p:cNvPr id="210" name="Connecteur droit 209"/>
+          <p:cNvPr id="133" name="Connecteur droit 132"/>
           <p:cNvCxnSpPr/>
           <p:nvPr/>
         </p:nvCxnSpPr>
         <p:spPr>
           <a:xfrm>
-            <a:off x="7434585" y="72355"/>
+            <a:off x="8118946" y="72355"/>
             <a:ext cx="0" cy="4176464"/>
           </a:xfrm>
           <a:prstGeom prst="line">
@@ -3875,13 +3875,13 @@
       </p:cxnSp>
       <p:cxnSp>
         <p:nvCxnSpPr>
-          <p:cNvPr id="211" name="Connecteur droit 210"/>
+          <p:cNvPr id="134" name="Connecteur droit 133"/>
           <p:cNvCxnSpPr/>
           <p:nvPr/>
         </p:nvCxnSpPr>
         <p:spPr>
           <a:xfrm>
-            <a:off x="7866633" y="936451"/>
+            <a:off x="8550994" y="936451"/>
             <a:ext cx="1080120" cy="0"/>
           </a:xfrm>
           <a:prstGeom prst="line">
@@ -3910,13 +3910,13 @@
       </p:cxnSp>
       <p:cxnSp>
         <p:nvCxnSpPr>
-          <p:cNvPr id="212" name="Connecteur droit 211"/>
+          <p:cNvPr id="135" name="Connecteur droit 134"/>
           <p:cNvCxnSpPr/>
           <p:nvPr/>
         </p:nvCxnSpPr>
         <p:spPr>
           <a:xfrm>
-            <a:off x="8946753" y="936451"/>
+            <a:off x="9631114" y="936451"/>
             <a:ext cx="0" cy="2160240"/>
           </a:xfrm>
           <a:prstGeom prst="line">
@@ -3945,13 +3945,13 @@
       </p:cxnSp>
       <p:cxnSp>
         <p:nvCxnSpPr>
-          <p:cNvPr id="213" name="Connecteur droit 212"/>
+          <p:cNvPr id="136" name="Connecteur droit 135"/>
           <p:cNvCxnSpPr/>
           <p:nvPr/>
         </p:nvCxnSpPr>
         <p:spPr>
           <a:xfrm>
-            <a:off x="8946753" y="3312715"/>
+            <a:off x="9631114" y="3312715"/>
             <a:ext cx="792088" cy="0"/>
           </a:xfrm>
           <a:prstGeom prst="line">
@@ -3980,13 +3980,13 @@
       </p:cxnSp>
       <p:cxnSp>
         <p:nvCxnSpPr>
-          <p:cNvPr id="214" name="Connecteur droit 213"/>
+          <p:cNvPr id="137" name="Connecteur droit 136"/>
           <p:cNvCxnSpPr/>
           <p:nvPr/>
         </p:nvCxnSpPr>
         <p:spPr>
           <a:xfrm flipV="1">
-            <a:off x="9738841" y="936451"/>
+            <a:off x="10423202" y="936451"/>
             <a:ext cx="0" cy="2160240"/>
           </a:xfrm>
           <a:prstGeom prst="line">
@@ -4015,13 +4015,13 @@
       </p:cxnSp>
       <p:cxnSp>
         <p:nvCxnSpPr>
-          <p:cNvPr id="215" name="Connecteur droit 214"/>
+          <p:cNvPr id="138" name="Connecteur droit 137"/>
           <p:cNvCxnSpPr/>
           <p:nvPr/>
         </p:nvCxnSpPr>
         <p:spPr>
           <a:xfrm>
-            <a:off x="9738841" y="936451"/>
+            <a:off x="10423202" y="936451"/>
             <a:ext cx="1080120" cy="0"/>
           </a:xfrm>
           <a:prstGeom prst="line">
@@ -4050,13 +4050,13 @@
       </p:cxnSp>
       <p:cxnSp>
         <p:nvCxnSpPr>
-          <p:cNvPr id="216" name="Connecteur droit 215"/>
+          <p:cNvPr id="139" name="Connecteur droit 138"/>
           <p:cNvCxnSpPr/>
           <p:nvPr/>
         </p:nvCxnSpPr>
         <p:spPr>
           <a:xfrm>
-            <a:off x="7866633" y="3096691"/>
+            <a:off x="8550994" y="3096691"/>
             <a:ext cx="1080120" cy="0"/>
           </a:xfrm>
           <a:prstGeom prst="line">
@@ -4085,13 +4085,13 @@
       </p:cxnSp>
       <p:cxnSp>
         <p:nvCxnSpPr>
-          <p:cNvPr id="217" name="Connecteur droit 216"/>
+          <p:cNvPr id="140" name="Connecteur droit 139"/>
           <p:cNvCxnSpPr/>
           <p:nvPr/>
         </p:nvCxnSpPr>
         <p:spPr>
           <a:xfrm>
-            <a:off x="8946753" y="3960787"/>
+            <a:off x="9631114" y="3960787"/>
             <a:ext cx="792088" cy="0"/>
           </a:xfrm>
           <a:prstGeom prst="line">
@@ -4120,13 +4120,13 @@
       </p:cxnSp>
       <p:cxnSp>
         <p:nvCxnSpPr>
-          <p:cNvPr id="218" name="Connecteur droit 217"/>
+          <p:cNvPr id="141" name="Connecteur droit 140"/>
           <p:cNvCxnSpPr/>
           <p:nvPr/>
         </p:nvCxnSpPr>
         <p:spPr>
           <a:xfrm>
-            <a:off x="8946753" y="3096691"/>
+            <a:off x="9631114" y="3096691"/>
             <a:ext cx="0" cy="864096"/>
           </a:xfrm>
           <a:prstGeom prst="line">
@@ -4155,13 +4155,13 @@
       </p:cxnSp>
       <p:cxnSp>
         <p:nvCxnSpPr>
-          <p:cNvPr id="219" name="Connecteur droit 218"/>
+          <p:cNvPr id="142" name="Connecteur droit 141"/>
           <p:cNvCxnSpPr/>
           <p:nvPr/>
         </p:nvCxnSpPr>
         <p:spPr>
           <a:xfrm>
-            <a:off x="9738841" y="3096691"/>
+            <a:off x="10423202" y="3096691"/>
             <a:ext cx="0" cy="864096"/>
           </a:xfrm>
           <a:prstGeom prst="line">
@@ -4190,13 +4190,13 @@
       </p:cxnSp>
       <p:cxnSp>
         <p:nvCxnSpPr>
-          <p:cNvPr id="220" name="Connecteur droit 219"/>
+          <p:cNvPr id="143" name="Connecteur droit 142"/>
           <p:cNvCxnSpPr/>
           <p:nvPr/>
         </p:nvCxnSpPr>
         <p:spPr>
           <a:xfrm>
-            <a:off x="9738841" y="3096691"/>
+            <a:off x="10423202" y="3096691"/>
             <a:ext cx="1080120" cy="0"/>
           </a:xfrm>
           <a:prstGeom prst="line">
@@ -4225,13 +4225,13 @@
       </p:cxnSp>
       <p:sp>
         <p:nvSpPr>
-          <p:cNvPr id="221" name="ZoneTexte 220"/>
+          <p:cNvPr id="144" name="ZoneTexte 143"/>
           <p:cNvSpPr txBox="1"/>
           <p:nvPr/>
         </p:nvSpPr>
         <p:spPr>
           <a:xfrm>
-            <a:off x="1078780" y="114746"/>
+            <a:off x="1763141" y="114746"/>
             <a:ext cx="974306" cy="461665"/>
           </a:xfrm>
           <a:prstGeom prst="rect">
@@ -4262,13 +4262,13 @@
       </p:sp>
       <p:sp>
         <p:nvSpPr>
-          <p:cNvPr id="222" name="ZoneTexte 221"/>
+          <p:cNvPr id="145" name="ZoneTexte 144"/>
           <p:cNvSpPr txBox="1"/>
           <p:nvPr/>
         </p:nvSpPr>
         <p:spPr>
           <a:xfrm>
-            <a:off x="4915916" y="114123"/>
+            <a:off x="5600277" y="114123"/>
             <a:ext cx="1076898" cy="461665"/>
           </a:xfrm>
           <a:prstGeom prst="rect">
@@ -4299,13 +4299,13 @@
       </p:sp>
       <p:sp>
         <p:nvSpPr>
-          <p:cNvPr id="223" name="ZoneTexte 222"/>
+          <p:cNvPr id="146" name="ZoneTexte 145"/>
           <p:cNvSpPr txBox="1"/>
           <p:nvPr/>
         </p:nvSpPr>
         <p:spPr>
           <a:xfrm>
-            <a:off x="8753052" y="114123"/>
+            <a:off x="9437413" y="114123"/>
             <a:ext cx="1179490" cy="461665"/>
           </a:xfrm>
           <a:prstGeom prst="rect">
@@ -4326,6 +4326,80 @@
                 <a:cs typeface="Times New Roman" panose="02020603050405020304" pitchFamily="18" charset="0"/>
               </a:rPr>
               <a:t>Type III</a:t>
+            </a:r>
+            <a:endParaRPr lang="fr-FR" sz="2400" dirty="0">
+              <a:latin typeface="Times New Roman" panose="02020603050405020304" pitchFamily="18" charset="0"/>
+              <a:cs typeface="Times New Roman" panose="02020603050405020304" pitchFamily="18" charset="0"/>
+            </a:endParaRPr>
+          </a:p>
+        </p:txBody>
+      </p:sp>
+      <p:cxnSp>
+        <p:nvCxnSpPr>
+          <p:cNvPr id="147" name="Connecteur droit 146"/>
+          <p:cNvCxnSpPr/>
+          <p:nvPr/>
+        </p:nvCxnSpPr>
+        <p:spPr>
+          <a:xfrm>
+            <a:off x="342082" y="114746"/>
+            <a:ext cx="0" cy="4062065"/>
+          </a:xfrm>
+          <a:prstGeom prst="line">
+            <a:avLst/>
+          </a:prstGeom>
+          <a:ln>
+            <a:solidFill>
+              <a:schemeClr val="tx1"/>
+            </a:solidFill>
+            <a:headEnd type="arrow" w="med" len="med"/>
+            <a:tailEnd type="none" w="med" len="med"/>
+          </a:ln>
+        </p:spPr>
+        <p:style>
+          <a:lnRef idx="1">
+            <a:schemeClr val="accent1"/>
+          </a:lnRef>
+          <a:fillRef idx="0">
+            <a:schemeClr val="accent1"/>
+          </a:fillRef>
+          <a:effectRef idx="0">
+            <a:schemeClr val="accent1"/>
+          </a:effectRef>
+          <a:fontRef idx="minor">
+            <a:schemeClr val="tx1"/>
+          </a:fontRef>
+        </p:style>
+      </p:cxnSp>
+      <p:sp>
+        <p:nvSpPr>
+          <p:cNvPr id="148" name="ZoneTexte 147"/>
+          <p:cNvSpPr txBox="1"/>
+          <p:nvPr/>
+        </p:nvSpPr>
+        <p:spPr>
+          <a:xfrm>
+            <a:off x="-17958" y="-71661"/>
+            <a:ext cx="372218" cy="461665"/>
+          </a:xfrm>
+          <a:prstGeom prst="rect">
+            <a:avLst/>
+          </a:prstGeom>
+          <a:noFill/>
+        </p:spPr>
+        <p:txBody>
+          <a:bodyPr wrap="none" rtlCol="0">
+            <a:spAutoFit/>
+          </a:bodyPr>
+          <a:lstStyle/>
+          <a:p>
+            <a:pPr algn="ctr"/>
+            <a:r>
+              <a:rPr lang="fr-FR" sz="2400" dirty="0">
+                <a:latin typeface="Times New Roman" panose="02020603050405020304" pitchFamily="18" charset="0"/>
+                <a:cs typeface="Times New Roman" panose="02020603050405020304" pitchFamily="18" charset="0"/>
+              </a:rPr>
+              <a:t>E</a:t>
             </a:r>
             <a:endParaRPr lang="fr-FR" sz="2400" dirty="0">
               <a:latin typeface="Times New Roman" panose="02020603050405020304" pitchFamily="18" charset="0"/>
